--- a/documents/terminology_figure.pptx
+++ b/documents/terminology_figure.pptx
@@ -4353,150 +4353,6 @@
           </a:fontRef>
         </p:style>
       </p:cxnSp>
-      <p:cxnSp>
-        <p:nvCxnSpPr>
-          <p:cNvPr id="73" name="Straight Connector 72"/>
-          <p:cNvCxnSpPr/>
-          <p:nvPr/>
-        </p:nvCxnSpPr>
-        <p:spPr>
-          <a:xfrm flipH="1">
-            <a:off x="8046248" y="274346"/>
-            <a:ext cx="6390" cy="6336766"/>
-          </a:xfrm>
-          <a:prstGeom prst="line">
-            <a:avLst/>
-          </a:prstGeom>
-          <a:ln w="38100">
-            <a:solidFill>
-              <a:srgbClr val="00B050"/>
-            </a:solidFill>
-            <a:prstDash val="sysDash"/>
-          </a:ln>
-        </p:spPr>
-        <p:style>
-          <a:lnRef idx="1">
-            <a:schemeClr val="accent1"/>
-          </a:lnRef>
-          <a:fillRef idx="0">
-            <a:schemeClr val="accent1"/>
-          </a:fillRef>
-          <a:effectRef idx="0">
-            <a:schemeClr val="accent1"/>
-          </a:effectRef>
-          <a:fontRef idx="minor">
-            <a:schemeClr val="tx1"/>
-          </a:fontRef>
-        </p:style>
-      </p:cxnSp>
-      <p:cxnSp>
-        <p:nvCxnSpPr>
-          <p:cNvPr id="74" name="Straight Connector 73"/>
-          <p:cNvCxnSpPr/>
-          <p:nvPr/>
-        </p:nvCxnSpPr>
-        <p:spPr>
-          <a:xfrm flipH="1">
-            <a:off x="634226" y="288949"/>
-            <a:ext cx="7418412" cy="8506"/>
-          </a:xfrm>
-          <a:prstGeom prst="line">
-            <a:avLst/>
-          </a:prstGeom>
-          <a:ln w="38100">
-            <a:solidFill>
-              <a:srgbClr val="00B050"/>
-            </a:solidFill>
-            <a:prstDash val="sysDash"/>
-          </a:ln>
-        </p:spPr>
-        <p:style>
-          <a:lnRef idx="1">
-            <a:schemeClr val="accent1"/>
-          </a:lnRef>
-          <a:fillRef idx="0">
-            <a:schemeClr val="accent1"/>
-          </a:fillRef>
-          <a:effectRef idx="0">
-            <a:schemeClr val="accent1"/>
-          </a:effectRef>
-          <a:fontRef idx="minor">
-            <a:schemeClr val="tx1"/>
-          </a:fontRef>
-        </p:style>
-      </p:cxnSp>
-      <p:cxnSp>
-        <p:nvCxnSpPr>
-          <p:cNvPr id="78" name="Straight Connector 77"/>
-          <p:cNvCxnSpPr/>
-          <p:nvPr/>
-        </p:nvCxnSpPr>
-        <p:spPr>
-          <a:xfrm>
-            <a:off x="615395" y="295931"/>
-            <a:ext cx="18830" cy="6413341"/>
-          </a:xfrm>
-          <a:prstGeom prst="line">
-            <a:avLst/>
-          </a:prstGeom>
-          <a:ln w="38100">
-            <a:solidFill>
-              <a:srgbClr val="00B050"/>
-            </a:solidFill>
-            <a:prstDash val="sysDash"/>
-          </a:ln>
-        </p:spPr>
-        <p:style>
-          <a:lnRef idx="1">
-            <a:schemeClr val="accent1"/>
-          </a:lnRef>
-          <a:fillRef idx="0">
-            <a:schemeClr val="accent1"/>
-          </a:fillRef>
-          <a:effectRef idx="0">
-            <a:schemeClr val="accent1"/>
-          </a:effectRef>
-          <a:fontRef idx="minor">
-            <a:schemeClr val="tx1"/>
-          </a:fontRef>
-        </p:style>
-      </p:cxnSp>
-      <p:cxnSp>
-        <p:nvCxnSpPr>
-          <p:cNvPr id="81" name="Straight Connector 80"/>
-          <p:cNvCxnSpPr/>
-          <p:nvPr/>
-        </p:nvCxnSpPr>
-        <p:spPr>
-          <a:xfrm flipH="1">
-            <a:off x="657813" y="6611112"/>
-            <a:ext cx="7351450" cy="98160"/>
-          </a:xfrm>
-          <a:prstGeom prst="line">
-            <a:avLst/>
-          </a:prstGeom>
-          <a:ln w="38100">
-            <a:solidFill>
-              <a:srgbClr val="00B050"/>
-            </a:solidFill>
-            <a:prstDash val="sysDash"/>
-          </a:ln>
-        </p:spPr>
-        <p:style>
-          <a:lnRef idx="1">
-            <a:schemeClr val="accent1"/>
-          </a:lnRef>
-          <a:fillRef idx="0">
-            <a:schemeClr val="accent1"/>
-          </a:fillRef>
-          <a:effectRef idx="0">
-            <a:schemeClr val="accent1"/>
-          </a:effectRef>
-          <a:fontRef idx="minor">
-            <a:schemeClr val="tx1"/>
-          </a:fontRef>
-        </p:style>
-      </p:cxnSp>
       <p:sp>
         <p:nvSpPr>
           <p:cNvPr id="85" name="TextBox 84"/>
@@ -4687,8 +4543,8 @@
         </p:nvCxnSpPr>
         <p:spPr>
           <a:xfrm flipV="1">
-            <a:off x="8641643" y="205721"/>
-            <a:ext cx="0" cy="1932035"/>
+            <a:off x="8641643" y="341616"/>
+            <a:ext cx="0" cy="1796141"/>
           </a:xfrm>
           <a:prstGeom prst="line">
             <a:avLst/>
@@ -4759,8 +4615,8 @@
         </p:nvCxnSpPr>
         <p:spPr>
           <a:xfrm flipV="1">
-            <a:off x="11960586" y="295931"/>
-            <a:ext cx="24249" cy="6279837"/>
+            <a:off x="11973500" y="295932"/>
+            <a:ext cx="11335" cy="6392308"/>
           </a:xfrm>
           <a:prstGeom prst="line">
             <a:avLst/>
@@ -4795,7 +4651,7 @@
         </p:nvCxnSpPr>
         <p:spPr>
           <a:xfrm>
-            <a:off x="8582140" y="6660192"/>
+            <a:off x="8650744" y="6639160"/>
             <a:ext cx="3334091" cy="49080"/>
           </a:xfrm>
           <a:prstGeom prst="line">
@@ -4858,6 +4714,51 @@
                 <a:srgbClr val="FF0000"/>
               </a:solidFill>
             </a:endParaRPr>
+          </a:p>
+        </p:txBody>
+      </p:sp>
+      <p:sp>
+        <p:nvSpPr>
+          <p:cNvPr id="145" name="Rectangle 144"/>
+          <p:cNvSpPr/>
+          <p:nvPr/>
+        </p:nvSpPr>
+        <p:spPr>
+          <a:xfrm>
+            <a:off x="599998" y="341616"/>
+            <a:ext cx="7728754" cy="6346624"/>
+          </a:xfrm>
+          <a:prstGeom prst="rect">
+            <a:avLst/>
+          </a:prstGeom>
+          <a:noFill/>
+          <a:ln w="38100">
+            <a:solidFill>
+              <a:srgbClr val="00B050"/>
+            </a:solidFill>
+            <a:prstDash val="sysDash"/>
+          </a:ln>
+        </p:spPr>
+        <p:style>
+          <a:lnRef idx="0">
+            <a:scrgbClr r="0" g="0" b="0"/>
+          </a:lnRef>
+          <a:fillRef idx="0">
+            <a:scrgbClr r="0" g="0" b="0"/>
+          </a:fillRef>
+          <a:effectRef idx="0">
+            <a:scrgbClr r="0" g="0" b="0"/>
+          </a:effectRef>
+          <a:fontRef idx="minor">
+            <a:schemeClr val="dk1"/>
+          </a:fontRef>
+        </p:style>
+        <p:txBody>
+          <a:bodyPr rtlCol="0" anchor="ctr"/>
+          <a:lstStyle/>
+          <a:p>
+            <a:pPr algn="ctr"/>
+            <a:endParaRPr lang="en-US"/>
           </a:p>
         </p:txBody>
       </p:sp>

--- a/documents/terminology_figure.pptx
+++ b/documents/terminology_figure.pptx
@@ -5,8 +5,7 @@
     <p:sldMasterId id="2147483648" r:id="rId1"/>
   </p:sldMasterIdLst>
   <p:sldIdLst>
-    <p:sldId id="256" r:id="rId2"/>
-    <p:sldId id="257" r:id="rId3"/>
+    <p:sldId id="257" r:id="rId2"/>
   </p:sldIdLst>
   <p:sldSz cx="12192000" cy="6858000"/>
   <p:notesSz cx="6858000" cy="9144000"/>
@@ -2967,74 +2966,6 @@
       </p:grpSpPr>
       <p:sp>
         <p:nvSpPr>
-          <p:cNvPr id="2" name="Title 1"/>
-          <p:cNvSpPr>
-            <a:spLocks noGrp="1"/>
-          </p:cNvSpPr>
-          <p:nvPr>
-            <p:ph type="ctrTitle"/>
-          </p:nvPr>
-        </p:nvSpPr>
-        <p:spPr/>
-        <p:txBody>
-          <a:bodyPr/>
-          <a:lstStyle/>
-          <a:p>
-            <a:endParaRPr lang="en-US"/>
-          </a:p>
-        </p:txBody>
-      </p:sp>
-      <p:sp>
-        <p:nvSpPr>
-          <p:cNvPr id="3" name="Subtitle 2"/>
-          <p:cNvSpPr>
-            <a:spLocks noGrp="1"/>
-          </p:cNvSpPr>
-          <p:nvPr>
-            <p:ph type="subTitle" idx="1"/>
-          </p:nvPr>
-        </p:nvSpPr>
-        <p:spPr/>
-        <p:txBody>
-          <a:bodyPr/>
-          <a:lstStyle/>
-          <a:p>
-            <a:endParaRPr lang="en-US"/>
-          </a:p>
-        </p:txBody>
-      </p:sp>
-    </p:spTree>
-    <p:extLst>
-      <p:ext uri="{BB962C8B-B14F-4D97-AF65-F5344CB8AC3E}">
-        <p14:creationId xmlns:p14="http://schemas.microsoft.com/office/powerpoint/2010/main" val="238831215"/>
-      </p:ext>
-    </p:extLst>
-  </p:cSld>
-  <p:clrMapOvr>
-    <a:masterClrMapping/>
-  </p:clrMapOvr>
-</p:sld>
-</file>
-
-<file path=ppt/slides/slide2.xml><?xml version="1.0" encoding="utf-8"?>
-<p:sld xmlns:a="http://schemas.openxmlformats.org/drawingml/2006/main" xmlns:r="http://schemas.openxmlformats.org/officeDocument/2006/relationships" xmlns:p="http://schemas.openxmlformats.org/presentationml/2006/main">
-  <p:cSld>
-    <p:spTree>
-      <p:nvGrpSpPr>
-        <p:cNvPr id="1" name=""/>
-        <p:cNvGrpSpPr/>
-        <p:nvPr/>
-      </p:nvGrpSpPr>
-      <p:grpSpPr>
-        <a:xfrm>
-          <a:off x="0" y="0"/>
-          <a:ext cx="0" cy="0"/>
-          <a:chOff x="0" y="0"/>
-          <a:chExt cx="0" cy="0"/>
-        </a:xfrm>
-      </p:grpSpPr>
-      <p:sp>
-        <p:nvSpPr>
           <p:cNvPr id="4" name="Rectangle 3"/>
           <p:cNvSpPr/>
           <p:nvPr/>

--- a/documents/terminology_figure.pptx
+++ b/documents/terminology_figure.pptx
@@ -104,6 +104,11 @@
       </a:defRPr>
     </a:lvl9pPr>
   </p:defaultTextStyle>
+  <p:extLst>
+    <p:ext uri="{EFAFB233-063F-42B5-8137-9DF3F51BA10A}">
+      <p15:sldGuideLst xmlns:p15="http://schemas.microsoft.com/office/powerpoint/2012/main"/>
+    </p:ext>
+  </p:extLst>
 </p:presentation>
 </file>
 
@@ -3650,12 +3655,12 @@
           <a:p>
             <a:pPr algn="ctr"/>
             <a:r>
-              <a:rPr lang="en-US" dirty="0" err="1" smtClean="0"/>
-              <a:t>c.k</a:t>
-            </a:r>
-            <a:r>
               <a:rPr lang="en-US" dirty="0" smtClean="0"/>
-              <a:t>. SVM model</a:t>
+              <a:t>CK </a:t>
+            </a:r>
+            <a:r>
+              <a:rPr lang="en-US" dirty="0" smtClean="0"/>
+              <a:t>SVM model</a:t>
             </a:r>
             <a:endParaRPr lang="en-US" dirty="0"/>
           </a:p>
@@ -4401,9 +4406,9 @@
           <p:nvPr/>
         </p:nvCxnSpPr>
         <p:spPr>
-          <a:xfrm flipH="1" flipV="1">
-            <a:off x="2562111" y="2089983"/>
-            <a:ext cx="7164" cy="1566320"/>
+          <a:xfrm flipV="1">
+            <a:off x="2562111" y="2137758"/>
+            <a:ext cx="1" cy="1482471"/>
           </a:xfrm>
           <a:prstGeom prst="line">
             <a:avLst/>
